--- a/data-collection-overview.pptx
+++ b/data-collection-overview.pptx
@@ -5,11 +5,10 @@
     <p:sldMasterId id="2147483648" r:id="rId1"/>
   </p:sldMasterIdLst>
   <p:notesMasterIdLst>
-    <p:notesMasterId r:id="rId4"/>
+    <p:notesMasterId r:id="rId3"/>
   </p:notesMasterIdLst>
   <p:sldIdLst>
-    <p:sldId id="405" r:id="rId2"/>
-    <p:sldId id="406" r:id="rId3"/>
+    <p:sldId id="406" r:id="rId2"/>
   </p:sldIdLst>
   <p:sldSz cx="12192000" cy="6858000"/>
   <p:notesSz cx="6858000" cy="9144000"/>
@@ -3983,96 +3982,6 @@
 </file>
 
 <file path=ppt/slides/slide1.xml><?xml version="1.0" encoding="utf-8"?>
-<p:sld xmlns:a="http://schemas.openxmlformats.org/drawingml/2006/main" xmlns:r="http://schemas.openxmlformats.org/officeDocument/2006/relationships" xmlns:p="http://schemas.openxmlformats.org/presentationml/2006/main">
-  <p:cSld>
-    <p:spTree>
-      <p:nvGrpSpPr>
-        <p:cNvPr id="1" name=""/>
-        <p:cNvGrpSpPr/>
-        <p:nvPr/>
-      </p:nvGrpSpPr>
-      <p:grpSpPr>
-        <a:xfrm>
-          <a:off x="0" y="0"/>
-          <a:ext cx="0" cy="0"/>
-          <a:chOff x="0" y="0"/>
-          <a:chExt cx="0" cy="0"/>
-        </a:xfrm>
-      </p:grpSpPr>
-      <p:pic>
-        <p:nvPicPr>
-          <p:cNvPr id="7" name="図 6" descr="グラフ, 箱ひげ図&#10;&#10;自動的に生成された説明">
-            <a:extLst>
-              <a:ext uri="{FF2B5EF4-FFF2-40B4-BE49-F238E27FC236}">
-                <a16:creationId xmlns:a16="http://schemas.microsoft.com/office/drawing/2014/main" id="{ABFC2275-D27D-5A45-85B7-5B089E0C4E4E}"/>
-              </a:ext>
-            </a:extLst>
-          </p:cNvPr>
-          <p:cNvPicPr>
-            <a:picLocks noChangeAspect="1"/>
-          </p:cNvPicPr>
-          <p:nvPr/>
-        </p:nvPicPr>
-        <p:blipFill>
-          <a:blip r:embed="rId2"/>
-          <a:stretch>
-            <a:fillRect/>
-          </a:stretch>
-        </p:blipFill>
-        <p:spPr>
-          <a:xfrm>
-            <a:off x="2268000" y="396000"/>
-            <a:ext cx="7804150" cy="2886802"/>
-          </a:xfrm>
-          <a:prstGeom prst="rect">
-            <a:avLst/>
-          </a:prstGeom>
-        </p:spPr>
-      </p:pic>
-      <p:pic>
-        <p:nvPicPr>
-          <p:cNvPr id="9" name="図 8" descr="グラフ, 箱ひげ図&#10;&#10;自動的に生成された説明">
-            <a:extLst>
-              <a:ext uri="{FF2B5EF4-FFF2-40B4-BE49-F238E27FC236}">
-                <a16:creationId xmlns:a16="http://schemas.microsoft.com/office/drawing/2014/main" id="{84D7B136-9965-A94D-8A03-2F4EE6A2ADE7}"/>
-              </a:ext>
-            </a:extLst>
-          </p:cNvPr>
-          <p:cNvPicPr>
-            <a:picLocks noChangeAspect="1"/>
-          </p:cNvPicPr>
-          <p:nvPr/>
-        </p:nvPicPr>
-        <p:blipFill>
-          <a:blip r:embed="rId3"/>
-          <a:stretch>
-            <a:fillRect/>
-          </a:stretch>
-        </p:blipFill>
-        <p:spPr>
-          <a:xfrm>
-            <a:off x="2193924" y="3528000"/>
-            <a:ext cx="7804150" cy="2886802"/>
-          </a:xfrm>
-          <a:prstGeom prst="rect">
-            <a:avLst/>
-          </a:prstGeom>
-        </p:spPr>
-      </p:pic>
-    </p:spTree>
-    <p:extLst>
-      <p:ext uri="{BB962C8B-B14F-4D97-AF65-F5344CB8AC3E}">
-        <p14:creationId xmlns:p14="http://schemas.microsoft.com/office/powerpoint/2010/main" val="3159227729"/>
-      </p:ext>
-    </p:extLst>
-  </p:cSld>
-  <p:clrMapOvr>
-    <a:masterClrMapping/>
-  </p:clrMapOvr>
-</p:sld>
-</file>
-
-<file path=ppt/slides/slide2.xml><?xml version="1.0" encoding="utf-8"?>
 <p:sld xmlns:a="http://schemas.openxmlformats.org/drawingml/2006/main" xmlns:r="http://schemas.openxmlformats.org/officeDocument/2006/relationships" xmlns:p="http://schemas.openxmlformats.org/presentationml/2006/main">
   <p:cSld>
     <p:spTree>
